--- a/angularjs.pptx
+++ b/angularjs.pptx
@@ -351,7 +351,7 @@
           <a:p>
             <a:fld id="{C4EB8123-A165-47ED-9C55-C3D9A4DBAD68}" type="datetimeFigureOut">
               <a:rPr lang="fi-FI" smtClean="0"/>
-              <a:t>2.12.2014</a:t>
+              <a:t>6.10.2015</a:t>
             </a:fld>
             <a:endParaRPr lang="fi-FI"/>
           </a:p>
@@ -2435,7 +2435,7 @@
           <a:p>
             <a:fld id="{327DBA9D-E4B6-4518-8786-B9C2F86DE51A}" type="datetime1">
               <a:rPr lang="fi-FI" smtClean="0"/>
-              <a:t>2.12.2014</a:t>
+              <a:t>6.10.2015</a:t>
             </a:fld>
             <a:endParaRPr lang="fi-FI"/>
           </a:p>
@@ -2657,7 +2657,7 @@
           <a:p>
             <a:fld id="{0DD1C434-342C-41CF-89F6-C5FAA9A71CEB}" type="datetime1">
               <a:rPr lang="fi-FI" smtClean="0"/>
-              <a:t>2.12.2014</a:t>
+              <a:t>6.10.2015</a:t>
             </a:fld>
             <a:endParaRPr lang="fi-FI"/>
           </a:p>
@@ -2852,7 +2852,7 @@
           <a:p>
             <a:fld id="{0ED5A8FB-7600-4919-883B-12481B4F6CCB}" type="datetime1">
               <a:rPr lang="fi-FI" smtClean="0"/>
-              <a:t>2.12.2014</a:t>
+              <a:t>6.10.2015</a:t>
             </a:fld>
             <a:endParaRPr lang="fi-FI"/>
           </a:p>
@@ -4727,7 +4727,7 @@
           <a:p>
             <a:fld id="{786339DA-C46F-4C6F-95A3-9379EAD4B9E9}" type="datetime1">
               <a:rPr lang="fi-FI" smtClean="0"/>
-              <a:t>2.12.2014</a:t>
+              <a:t>6.10.2015</a:t>
             </a:fld>
             <a:endParaRPr lang="fi-FI"/>
           </a:p>
@@ -6641,7 +6641,7 @@
           <a:p>
             <a:fld id="{DDE8EE06-37CE-4589-979F-8BAD7B9A600E}" type="datetime1">
               <a:rPr lang="fi-FI" smtClean="0"/>
-              <a:t>2.12.2014</a:t>
+              <a:t>6.10.2015</a:t>
             </a:fld>
             <a:endParaRPr lang="fi-FI"/>
           </a:p>
@@ -6798,7 +6798,7 @@
           <a:p>
             <a:fld id="{17D99144-C526-494B-B7FE-18E55CA793B3}" type="datetime1">
               <a:rPr lang="fi-FI" smtClean="0"/>
-              <a:t>2.12.2014</a:t>
+              <a:t>6.10.2015</a:t>
             </a:fld>
             <a:endParaRPr lang="fi-FI"/>
           </a:p>
@@ -7383,7 +7383,7 @@
           <a:p>
             <a:fld id="{E2F92E3A-C1B1-4FA0-AB14-E082E2685DC2}" type="datetime1">
               <a:rPr lang="fi-FI" smtClean="0"/>
-              <a:t>2.12.2014</a:t>
+              <a:t>6.10.2015</a:t>
             </a:fld>
             <a:endParaRPr lang="fi-FI"/>
           </a:p>
@@ -7540,7 +7540,7 @@
           <a:p>
             <a:fld id="{21167F19-C9AE-4D99-81D4-E387C66372F9}" type="datetime1">
               <a:rPr lang="fi-FI" smtClean="0"/>
-              <a:t>2.12.2014</a:t>
+              <a:t>6.10.2015</a:t>
             </a:fld>
             <a:endParaRPr lang="fi-FI"/>
           </a:p>
@@ -9295,7 +9295,7 @@
           <a:p>
             <a:fld id="{E3C8B590-F809-4880-A511-D394916220E8}" type="datetime1">
               <a:rPr lang="fi-FI" smtClean="0"/>
-              <a:t>2.12.2014</a:t>
+              <a:t>6.10.2015</a:t>
             </a:fld>
             <a:endParaRPr lang="fi-FI"/>
           </a:p>
@@ -9490,7 +9490,7 @@
           <a:p>
             <a:fld id="{3363C4C5-2E4E-4839-9FB9-FA0460CC2E24}" type="datetime1">
               <a:rPr lang="fi-FI" smtClean="0"/>
-              <a:t>2.12.2014</a:t>
+              <a:t>6.10.2015</a:t>
             </a:fld>
             <a:endParaRPr lang="fi-FI"/>
           </a:p>
@@ -13149,7 +13149,7 @@
           <a:p>
             <a:fld id="{C4CAF184-C661-41D6-A7AB-1B2872D71EF1}" type="datetime1">
               <a:rPr lang="fi-FI" smtClean="0"/>
-              <a:t>2.12.2014</a:t>
+              <a:t>6.10.2015</a:t>
             </a:fld>
             <a:endParaRPr lang="fi-FI"/>
           </a:p>
@@ -15048,7 +15048,7 @@
           <a:p>
             <a:fld id="{547E3534-5B45-47CB-9862-2AC10FB9400A}" type="datetime1">
               <a:rPr lang="fi-FI" smtClean="0"/>
-              <a:t>2.12.2014</a:t>
+              <a:t>6.10.2015</a:t>
             </a:fld>
             <a:endParaRPr lang="fi-FI"/>
           </a:p>
@@ -15699,7 +15699,7 @@
           <a:p>
             <a:fld id="{4691B1D1-5A08-4681-9A72-9B2DED367437}" type="datetime1">
               <a:rPr lang="fi-FI" smtClean="0"/>
-              <a:t>2.12.2014</a:t>
+              <a:t>6.10.2015</a:t>
             </a:fld>
             <a:endParaRPr lang="fi-FI" dirty="0"/>
           </a:p>
@@ -15853,7 +15853,7 @@
           <a:p>
             <a:fld id="{786339DA-C46F-4C6F-95A3-9379EAD4B9E9}" type="datetime1">
               <a:rPr lang="fi-FI" smtClean="0"/>
-              <a:t>2.12.2014</a:t>
+              <a:t>6.10.2015</a:t>
             </a:fld>
             <a:endParaRPr lang="fi-FI" dirty="0"/>
           </a:p>
@@ -16111,7 +16111,7 @@
           <a:p>
             <a:fld id="{786339DA-C46F-4C6F-95A3-9379EAD4B9E9}" type="datetime1">
               <a:rPr lang="fi-FI" smtClean="0"/>
-              <a:t>2.12.2014</a:t>
+              <a:t>6.10.2015</a:t>
             </a:fld>
             <a:endParaRPr lang="fi-FI"/>
           </a:p>
@@ -16228,7 +16228,7 @@
           <a:p>
             <a:fld id="{786339DA-C46F-4C6F-95A3-9379EAD4B9E9}" type="datetime1">
               <a:rPr lang="fi-FI" smtClean="0"/>
-              <a:t>2.12.2014</a:t>
+              <a:t>6.10.2015</a:t>
             </a:fld>
             <a:endParaRPr lang="fi-FI"/>
           </a:p>
@@ -16492,7 +16492,7 @@
           <a:p>
             <a:fld id="{786339DA-C46F-4C6F-95A3-9379EAD4B9E9}" type="datetime1">
               <a:rPr lang="fi-FI" smtClean="0"/>
-              <a:t>2.12.2014</a:t>
+              <a:t>6.10.2015</a:t>
             </a:fld>
             <a:endParaRPr lang="fi-FI"/>
           </a:p>
@@ -16693,7 +16693,7 @@
           <a:p>
             <a:fld id="{786339DA-C46F-4C6F-95A3-9379EAD4B9E9}" type="datetime1">
               <a:rPr lang="fi-FI" smtClean="0"/>
-              <a:t>2.12.2014</a:t>
+              <a:t>6.10.2015</a:t>
             </a:fld>
             <a:endParaRPr lang="fi-FI"/>
           </a:p>
@@ -16882,7 +16882,7 @@
           <a:p>
             <a:fld id="{786339DA-C46F-4C6F-95A3-9379EAD4B9E9}" type="datetime1">
               <a:rPr lang="fi-FI" smtClean="0"/>
-              <a:t>2.12.2014</a:t>
+              <a:t>6.10.2015</a:t>
             </a:fld>
             <a:endParaRPr lang="fi-FI"/>
           </a:p>
@@ -17007,7 +17007,7 @@
           <a:p>
             <a:fld id="{786339DA-C46F-4C6F-95A3-9379EAD4B9E9}" type="datetime1">
               <a:rPr lang="fi-FI" smtClean="0"/>
-              <a:t>2.12.2014</a:t>
+              <a:t>6.10.2015</a:t>
             </a:fld>
             <a:endParaRPr lang="fi-FI"/>
           </a:p>
@@ -17262,7 +17262,7 @@
           <a:p>
             <a:fld id="{786339DA-C46F-4C6F-95A3-9379EAD4B9E9}" type="datetime1">
               <a:rPr lang="fi-FI" smtClean="0"/>
-              <a:t>2.12.2014</a:t>
+              <a:t>6.10.2015</a:t>
             </a:fld>
             <a:endParaRPr lang="fi-FI"/>
           </a:p>
@@ -17449,7 +17449,7 @@
           <a:p>
             <a:fld id="{786339DA-C46F-4C6F-95A3-9379EAD4B9E9}" type="datetime1">
               <a:rPr lang="fi-FI" smtClean="0"/>
-              <a:t>2.12.2014</a:t>
+              <a:t>6.10.2015</a:t>
             </a:fld>
             <a:endParaRPr lang="fi-FI"/>
           </a:p>
@@ -17573,7 +17573,7 @@
           <a:p>
             <a:fld id="{786339DA-C46F-4C6F-95A3-9379EAD4B9E9}" type="datetime1">
               <a:rPr lang="fi-FI" smtClean="0"/>
-              <a:t>2.12.2014</a:t>
+              <a:t>6.10.2015</a:t>
             </a:fld>
             <a:endParaRPr lang="fi-FI"/>
           </a:p>
@@ -17713,7 +17713,7 @@
           <a:p>
             <a:fld id="{786339DA-C46F-4C6F-95A3-9379EAD4B9E9}" type="datetime1">
               <a:rPr lang="fi-FI" smtClean="0"/>
-              <a:t>2.12.2014</a:t>
+              <a:t>6.10.2015</a:t>
             </a:fld>
             <a:endParaRPr lang="fi-FI"/>
           </a:p>
@@ -17856,7 +17856,7 @@
           <a:p>
             <a:fld id="{786339DA-C46F-4C6F-95A3-9379EAD4B9E9}" type="datetime1">
               <a:rPr lang="fi-FI" smtClean="0"/>
-              <a:t>2.12.2014</a:t>
+              <a:t>6.10.2015</a:t>
             </a:fld>
             <a:endParaRPr lang="fi-FI"/>
           </a:p>
@@ -18060,7 +18060,7 @@
           <a:p>
             <a:fld id="{786339DA-C46F-4C6F-95A3-9379EAD4B9E9}" type="datetime1">
               <a:rPr lang="fi-FI" smtClean="0"/>
-              <a:t>2.12.2014</a:t>
+              <a:t>6.10.2015</a:t>
             </a:fld>
             <a:endParaRPr lang="fi-FI"/>
           </a:p>
@@ -18249,7 +18249,7 @@
           <a:p>
             <a:fld id="{786339DA-C46F-4C6F-95A3-9379EAD4B9E9}" type="datetime1">
               <a:rPr lang="fi-FI" smtClean="0"/>
-              <a:t>2.12.2014</a:t>
+              <a:t>6.10.2015</a:t>
             </a:fld>
             <a:endParaRPr lang="fi-FI"/>
           </a:p>
@@ -18344,7 +18344,7 @@
           <a:p>
             <a:fld id="{786339DA-C46F-4C6F-95A3-9379EAD4B9E9}" type="datetime1">
               <a:rPr lang="fi-FI" smtClean="0"/>
-              <a:t>2.12.2014</a:t>
+              <a:t>6.10.2015</a:t>
             </a:fld>
             <a:endParaRPr lang="fi-FI"/>
           </a:p>
@@ -18495,7 +18495,7 @@
           <a:p>
             <a:fld id="{786339DA-C46F-4C6F-95A3-9379EAD4B9E9}" type="datetime1">
               <a:rPr lang="fi-FI" smtClean="0"/>
-              <a:t>2.12.2014</a:t>
+              <a:t>6.10.2015</a:t>
             </a:fld>
             <a:endParaRPr lang="fi-FI"/>
           </a:p>
@@ -18676,7 +18676,7 @@
           <a:p>
             <a:fld id="{786339DA-C46F-4C6F-95A3-9379EAD4B9E9}" type="datetime1">
               <a:rPr lang="fi-FI" smtClean="0"/>
-              <a:t>2.12.2014</a:t>
+              <a:t>6.10.2015</a:t>
             </a:fld>
             <a:endParaRPr lang="fi-FI"/>
           </a:p>
@@ -18925,7 +18925,7 @@
           <a:p>
             <a:fld id="{786339DA-C46F-4C6F-95A3-9379EAD4B9E9}" type="datetime1">
               <a:rPr lang="fi-FI" smtClean="0"/>
-              <a:t>2.12.2014</a:t>
+              <a:t>6.10.2015</a:t>
             </a:fld>
             <a:endParaRPr lang="fi-FI"/>
           </a:p>
@@ -19074,7 +19074,7 @@
           <a:p>
             <a:fld id="{786339DA-C46F-4C6F-95A3-9379EAD4B9E9}" type="datetime1">
               <a:rPr lang="fi-FI" smtClean="0"/>
-              <a:t>2.12.2014</a:t>
+              <a:t>6.10.2015</a:t>
             </a:fld>
             <a:endParaRPr lang="fi-FI"/>
           </a:p>
@@ -19262,7 +19262,7 @@
           <a:p>
             <a:fld id="{786339DA-C46F-4C6F-95A3-9379EAD4B9E9}" type="datetime1">
               <a:rPr lang="fi-FI" smtClean="0"/>
-              <a:t>2.12.2014</a:t>
+              <a:t>6.10.2015</a:t>
             </a:fld>
             <a:endParaRPr lang="fi-FI"/>
           </a:p>
@@ -19598,7 +19598,7 @@
           <a:p>
             <a:fld id="{786339DA-C46F-4C6F-95A3-9379EAD4B9E9}" type="datetime1">
               <a:rPr lang="fi-FI" smtClean="0"/>
-              <a:t>2.12.2014</a:t>
+              <a:t>6.10.2015</a:t>
             </a:fld>
             <a:endParaRPr lang="fi-FI"/>
           </a:p>
@@ -19758,7 +19758,7 @@
           <a:p>
             <a:fld id="{786339DA-C46F-4C6F-95A3-9379EAD4B9E9}" type="datetime1">
               <a:rPr lang="fi-FI" smtClean="0"/>
-              <a:t>2.12.2014</a:t>
+              <a:t>6.10.2015</a:t>
             </a:fld>
             <a:endParaRPr lang="fi-FI"/>
           </a:p>
@@ -19952,7 +19952,7 @@
           <a:p>
             <a:fld id="{786339DA-C46F-4C6F-95A3-9379EAD4B9E9}" type="datetime1">
               <a:rPr lang="fi-FI" smtClean="0"/>
-              <a:t>2.12.2014</a:t>
+              <a:t>6.10.2015</a:t>
             </a:fld>
             <a:endParaRPr lang="fi-FI"/>
           </a:p>
@@ -20070,7 +20070,7 @@
           <a:p>
             <a:fld id="{786339DA-C46F-4C6F-95A3-9379EAD4B9E9}" type="datetime1">
               <a:rPr lang="fi-FI" smtClean="0"/>
-              <a:t>2.12.2014</a:t>
+              <a:t>6.10.2015</a:t>
             </a:fld>
             <a:endParaRPr lang="fi-FI"/>
           </a:p>
@@ -20299,7 +20299,7 @@
           <a:p>
             <a:fld id="{786339DA-C46F-4C6F-95A3-9379EAD4B9E9}" type="datetime1">
               <a:rPr lang="fi-FI" smtClean="0"/>
-              <a:t>2.12.2014</a:t>
+              <a:t>6.10.2015</a:t>
             </a:fld>
             <a:endParaRPr lang="fi-FI"/>
           </a:p>
@@ -20505,7 +20505,7 @@
           <a:p>
             <a:fld id="{786339DA-C46F-4C6F-95A3-9379EAD4B9E9}" type="datetime1">
               <a:rPr lang="fi-FI" smtClean="0"/>
-              <a:t>2.12.2014</a:t>
+              <a:t>6.10.2015</a:t>
             </a:fld>
             <a:endParaRPr lang="fi-FI"/>
           </a:p>
@@ -20678,7 +20678,7 @@
           <a:p>
             <a:fld id="{786339DA-C46F-4C6F-95A3-9379EAD4B9E9}" type="datetime1">
               <a:rPr lang="fi-FI" smtClean="0"/>
-              <a:t>2.12.2014</a:t>
+              <a:t>6.10.2015</a:t>
             </a:fld>
             <a:endParaRPr lang="fi-FI"/>
           </a:p>
@@ -20860,7 +20860,7 @@
           <a:p>
             <a:fld id="{786339DA-C46F-4C6F-95A3-9379EAD4B9E9}" type="datetime1">
               <a:rPr lang="fi-FI" smtClean="0"/>
-              <a:t>2.12.2014</a:t>
+              <a:t>6.10.2015</a:t>
             </a:fld>
             <a:endParaRPr lang="fi-FI"/>
           </a:p>
@@ -21015,7 +21015,7 @@
           <a:p>
             <a:fld id="{786339DA-C46F-4C6F-95A3-9379EAD4B9E9}" type="datetime1">
               <a:rPr lang="fi-FI" smtClean="0"/>
-              <a:t>2.12.2014</a:t>
+              <a:t>6.10.2015</a:t>
             </a:fld>
             <a:endParaRPr lang="fi-FI"/>
           </a:p>
@@ -21206,7 +21206,7 @@
           <a:p>
             <a:fld id="{786339DA-C46F-4C6F-95A3-9379EAD4B9E9}" type="datetime1">
               <a:rPr lang="fi-FI" smtClean="0"/>
-              <a:t>2.12.2014</a:t>
+              <a:t>6.10.2015</a:t>
             </a:fld>
             <a:endParaRPr lang="fi-FI"/>
           </a:p>
@@ -21364,7 +21364,7 @@
           <a:p>
             <a:fld id="{786339DA-C46F-4C6F-95A3-9379EAD4B9E9}" type="datetime1">
               <a:rPr lang="fi-FI" smtClean="0"/>
-              <a:t>2.12.2014</a:t>
+              <a:t>6.10.2015</a:t>
             </a:fld>
             <a:endParaRPr lang="fi-FI"/>
           </a:p>
@@ -21522,7 +21522,7 @@
           <a:p>
             <a:fld id="{786339DA-C46F-4C6F-95A3-9379EAD4B9E9}" type="datetime1">
               <a:rPr lang="fi-FI" smtClean="0"/>
-              <a:t>2.12.2014</a:t>
+              <a:t>6.10.2015</a:t>
             </a:fld>
             <a:endParaRPr lang="fi-FI"/>
           </a:p>
@@ -21708,7 +21708,7 @@
           <a:p>
             <a:fld id="{786339DA-C46F-4C6F-95A3-9379EAD4B9E9}" type="datetime1">
               <a:rPr lang="fi-FI" smtClean="0"/>
-              <a:t>2.12.2014</a:t>
+              <a:t>6.10.2015</a:t>
             </a:fld>
             <a:endParaRPr lang="fi-FI"/>
           </a:p>
@@ -21913,7 +21913,7 @@
           <a:p>
             <a:fld id="{786339DA-C46F-4C6F-95A3-9379EAD4B9E9}" type="datetime1">
               <a:rPr lang="fi-FI" smtClean="0"/>
-              <a:t>2.12.2014</a:t>
+              <a:t>6.10.2015</a:t>
             </a:fld>
             <a:endParaRPr lang="fi-FI"/>
           </a:p>
@@ -22064,7 +22064,7 @@
           <a:p>
             <a:fld id="{786339DA-C46F-4C6F-95A3-9379EAD4B9E9}" type="datetime1">
               <a:rPr lang="fi-FI" smtClean="0"/>
-              <a:t>2.12.2014</a:t>
+              <a:t>6.10.2015</a:t>
             </a:fld>
             <a:endParaRPr lang="fi-FI"/>
           </a:p>
@@ -22175,7 +22175,7 @@
           <a:p>
             <a:fld id="{786339DA-C46F-4C6F-95A3-9379EAD4B9E9}" type="datetime1">
               <a:rPr lang="fi-FI" smtClean="0"/>
-              <a:t>2.12.2014</a:t>
+              <a:t>6.10.2015</a:t>
             </a:fld>
             <a:endParaRPr lang="fi-FI"/>
           </a:p>
@@ -22361,7 +22361,7 @@
           <a:p>
             <a:fld id="{786339DA-C46F-4C6F-95A3-9379EAD4B9E9}" type="datetime1">
               <a:rPr lang="fi-FI" smtClean="0"/>
-              <a:t>2.12.2014</a:t>
+              <a:t>6.10.2015</a:t>
             </a:fld>
             <a:endParaRPr lang="fi-FI"/>
           </a:p>
@@ -22491,7 +22491,7 @@
           <a:p>
             <a:fld id="{786339DA-C46F-4C6F-95A3-9379EAD4B9E9}" type="datetime1">
               <a:rPr lang="fi-FI" smtClean="0"/>
-              <a:t>2.12.2014</a:t>
+              <a:t>6.10.2015</a:t>
             </a:fld>
             <a:endParaRPr lang="fi-FI"/>
           </a:p>
@@ -22812,7 +22812,7 @@
           <a:p>
             <a:fld id="{786339DA-C46F-4C6F-95A3-9379EAD4B9E9}" type="datetime1">
               <a:rPr lang="fi-FI" smtClean="0"/>
-              <a:t>2.12.2014</a:t>
+              <a:t>6.10.2015</a:t>
             </a:fld>
             <a:endParaRPr lang="fi-FI"/>
           </a:p>
@@ -22961,7 +22961,7 @@
           <a:p>
             <a:fld id="{786339DA-C46F-4C6F-95A3-9379EAD4B9E9}" type="datetime1">
               <a:rPr lang="fi-FI" smtClean="0"/>
-              <a:t>2.12.2014</a:t>
+              <a:t>6.10.2015</a:t>
             </a:fld>
             <a:endParaRPr lang="fi-FI"/>
           </a:p>
@@ -23174,7 +23174,7 @@
           <a:p>
             <a:fld id="{786339DA-C46F-4C6F-95A3-9379EAD4B9E9}" type="datetime1">
               <a:rPr lang="fi-FI" smtClean="0"/>
-              <a:t>2.12.2014</a:t>
+              <a:t>6.10.2015</a:t>
             </a:fld>
             <a:endParaRPr lang="fi-FI"/>
           </a:p>
@@ -23858,7 +23858,7 @@
           <a:p>
             <a:fld id="{786339DA-C46F-4C6F-95A3-9379EAD4B9E9}" type="datetime1">
               <a:rPr lang="fi-FI" smtClean="0"/>
-              <a:t>2.12.2014</a:t>
+              <a:t>6.10.2015</a:t>
             </a:fld>
             <a:endParaRPr lang="fi-FI"/>
           </a:p>
@@ -24568,7 +24568,7 @@
           <a:p>
             <a:fld id="{786339DA-C46F-4C6F-95A3-9379EAD4B9E9}" type="datetime1">
               <a:rPr lang="fi-FI" smtClean="0"/>
-              <a:t>2.12.2014</a:t>
+              <a:t>6.10.2015</a:t>
             </a:fld>
             <a:endParaRPr lang="fi-FI"/>
           </a:p>
@@ -24756,7 +24756,7 @@
           <a:p>
             <a:fld id="{786339DA-C46F-4C6F-95A3-9379EAD4B9E9}" type="datetime1">
               <a:rPr lang="fi-FI" smtClean="0"/>
-              <a:t>2.12.2014</a:t>
+              <a:t>6.10.2015</a:t>
             </a:fld>
             <a:endParaRPr lang="fi-FI"/>
           </a:p>
@@ -24902,7 +24902,7 @@
           <a:p>
             <a:fld id="{786339DA-C46F-4C6F-95A3-9379EAD4B9E9}" type="datetime1">
               <a:rPr lang="fi-FI" smtClean="0"/>
-              <a:t>2.12.2014</a:t>
+              <a:t>6.10.2015</a:t>
             </a:fld>
             <a:endParaRPr lang="fi-FI"/>
           </a:p>
@@ -25055,7 +25055,7 @@
           <a:p>
             <a:fld id="{786339DA-C46F-4C6F-95A3-9379EAD4B9E9}" type="datetime1">
               <a:rPr lang="fi-FI" smtClean="0"/>
-              <a:t>2.12.2014</a:t>
+              <a:t>6.10.2015</a:t>
             </a:fld>
             <a:endParaRPr lang="fi-FI"/>
           </a:p>
@@ -25203,7 +25203,7 @@
           <a:p>
             <a:fld id="{786339DA-C46F-4C6F-95A3-9379EAD4B9E9}" type="datetime1">
               <a:rPr lang="fi-FI" smtClean="0"/>
-              <a:t>2.12.2014</a:t>
+              <a:t>6.10.2015</a:t>
             </a:fld>
             <a:endParaRPr lang="fi-FI"/>
           </a:p>
@@ -25349,7 +25349,7 @@
           <a:p>
             <a:fld id="{786339DA-C46F-4C6F-95A3-9379EAD4B9E9}" type="datetime1">
               <a:rPr lang="fi-FI" smtClean="0"/>
-              <a:t>2.12.2014</a:t>
+              <a:t>6.10.2015</a:t>
             </a:fld>
             <a:endParaRPr lang="fi-FI"/>
           </a:p>
@@ -25467,7 +25467,7 @@
           <a:p>
             <a:fld id="{786339DA-C46F-4C6F-95A3-9379EAD4B9E9}" type="datetime1">
               <a:rPr lang="fi-FI" smtClean="0"/>
-              <a:t>2.12.2014</a:t>
+              <a:t>6.10.2015</a:t>
             </a:fld>
             <a:endParaRPr lang="fi-FI"/>
           </a:p>
@@ -25636,7 +25636,7 @@
           <a:p>
             <a:fld id="{786339DA-C46F-4C6F-95A3-9379EAD4B9E9}" type="datetime1">
               <a:rPr lang="fi-FI" smtClean="0"/>
-              <a:t>2.12.2014</a:t>
+              <a:t>6.10.2015</a:t>
             </a:fld>
             <a:endParaRPr lang="fi-FI"/>
           </a:p>
@@ -25760,7 +25760,7 @@
           <a:p>
             <a:fld id="{786339DA-C46F-4C6F-95A3-9379EAD4B9E9}" type="datetime1">
               <a:rPr lang="fi-FI" smtClean="0"/>
-              <a:t>2.12.2014</a:t>
+              <a:t>6.10.2015</a:t>
             </a:fld>
             <a:endParaRPr lang="fi-FI"/>
           </a:p>
@@ -25885,7 +25885,7 @@
           <a:p>
             <a:fld id="{786339DA-C46F-4C6F-95A3-9379EAD4B9E9}" type="datetime1">
               <a:rPr lang="fi-FI" smtClean="0"/>
-              <a:t>2.12.2014</a:t>
+              <a:t>6.10.2015</a:t>
             </a:fld>
             <a:endParaRPr lang="fi-FI"/>
           </a:p>
@@ -26005,7 +26005,7 @@
           <a:p>
             <a:fld id="{786339DA-C46F-4C6F-95A3-9379EAD4B9E9}" type="datetime1">
               <a:rPr lang="fi-FI" smtClean="0"/>
-              <a:t>2.12.2014</a:t>
+              <a:t>6.10.2015</a:t>
             </a:fld>
             <a:endParaRPr lang="fi-FI"/>
           </a:p>
@@ -26375,7 +26375,7 @@
           <a:p>
             <a:fld id="{786339DA-C46F-4C6F-95A3-9379EAD4B9E9}" type="datetime1">
               <a:rPr lang="fi-FI" smtClean="0"/>
-              <a:t>2.12.2014</a:t>
+              <a:t>6.10.2015</a:t>
             </a:fld>
             <a:endParaRPr lang="fi-FI"/>
           </a:p>
@@ -26616,7 +26616,7 @@
           <a:p>
             <a:fld id="{786339DA-C46F-4C6F-95A3-9379EAD4B9E9}" type="datetime1">
               <a:rPr lang="fi-FI" smtClean="0"/>
-              <a:t>2.12.2014</a:t>
+              <a:t>6.10.2015</a:t>
             </a:fld>
             <a:endParaRPr lang="fi-FI"/>
           </a:p>
@@ -26741,7 +26741,7 @@
           <a:p>
             <a:fld id="{786339DA-C46F-4C6F-95A3-9379EAD4B9E9}" type="datetime1">
               <a:rPr lang="fi-FI" smtClean="0"/>
-              <a:t>2.12.2014</a:t>
+              <a:t>6.10.2015</a:t>
             </a:fld>
             <a:endParaRPr lang="fi-FI"/>
           </a:p>
@@ -26916,7 +26916,7 @@
           <a:p>
             <a:fld id="{786339DA-C46F-4C6F-95A3-9379EAD4B9E9}" type="datetime1">
               <a:rPr lang="fi-FI" smtClean="0"/>
-              <a:t>2.12.2014</a:t>
+              <a:t>6.10.2015</a:t>
             </a:fld>
             <a:endParaRPr lang="fi-FI"/>
           </a:p>
@@ -27143,7 +27143,7 @@
           <a:p>
             <a:fld id="{786339DA-C46F-4C6F-95A3-9379EAD4B9E9}" type="datetime1">
               <a:rPr lang="fi-FI" smtClean="0"/>
-              <a:t>2.12.2014</a:t>
+              <a:t>6.10.2015</a:t>
             </a:fld>
             <a:endParaRPr lang="fi-FI"/>
           </a:p>
@@ -27286,7 +27286,7 @@
           <a:p>
             <a:fld id="{786339DA-C46F-4C6F-95A3-9379EAD4B9E9}" type="datetime1">
               <a:rPr lang="fi-FI" smtClean="0"/>
-              <a:t>2.12.2014</a:t>
+              <a:t>6.10.2015</a:t>
             </a:fld>
             <a:endParaRPr lang="fi-FI"/>
           </a:p>
@@ -27434,7 +27434,7 @@
           <a:p>
             <a:fld id="{786339DA-C46F-4C6F-95A3-9379EAD4B9E9}" type="datetime1">
               <a:rPr lang="fi-FI" smtClean="0"/>
-              <a:t>2.12.2014</a:t>
+              <a:t>6.10.2015</a:t>
             </a:fld>
             <a:endParaRPr lang="fi-FI"/>
           </a:p>
@@ -27696,7 +27696,7 @@
           <a:p>
             <a:fld id="{786339DA-C46F-4C6F-95A3-9379EAD4B9E9}" type="datetime1">
               <a:rPr lang="fi-FI" smtClean="0"/>
-              <a:t>2.12.2014</a:t>
+              <a:t>6.10.2015</a:t>
             </a:fld>
             <a:endParaRPr lang="fi-FI"/>
           </a:p>
@@ -27863,7 +27863,7 @@
           <a:p>
             <a:fld id="{786339DA-C46F-4C6F-95A3-9379EAD4B9E9}" type="datetime1">
               <a:rPr lang="fi-FI" smtClean="0"/>
-              <a:t>2.12.2014</a:t>
+              <a:t>6.10.2015</a:t>
             </a:fld>
             <a:endParaRPr lang="fi-FI"/>
           </a:p>
@@ -28036,7 +28036,7 @@
           <a:p>
             <a:fld id="{786339DA-C46F-4C6F-95A3-9379EAD4B9E9}" type="datetime1">
               <a:rPr lang="fi-FI" smtClean="0"/>
-              <a:t>2.12.2014</a:t>
+              <a:t>6.10.2015</a:t>
             </a:fld>
             <a:endParaRPr lang="fi-FI"/>
           </a:p>
@@ -28475,7 +28475,7 @@
           <a:p>
             <a:fld id="{786339DA-C46F-4C6F-95A3-9379EAD4B9E9}" type="datetime1">
               <a:rPr lang="fi-FI" smtClean="0"/>
-              <a:t>2.12.2014</a:t>
+              <a:t>6.10.2015</a:t>
             </a:fld>
             <a:endParaRPr lang="fi-FI"/>
           </a:p>
@@ -28598,7 +28598,7 @@
           <a:p>
             <a:fld id="{786339DA-C46F-4C6F-95A3-9379EAD4B9E9}" type="datetime1">
               <a:rPr lang="fi-FI" smtClean="0"/>
-              <a:t>2.12.2014</a:t>
+              <a:t>6.10.2015</a:t>
             </a:fld>
             <a:endParaRPr lang="fi-FI"/>
           </a:p>
@@ -28779,7 +28779,7 @@
           <a:p>
             <a:fld id="{786339DA-C46F-4C6F-95A3-9379EAD4B9E9}" type="datetime1">
               <a:rPr lang="fi-FI" smtClean="0"/>
-              <a:t>2.12.2014</a:t>
+              <a:t>6.10.2015</a:t>
             </a:fld>
             <a:endParaRPr lang="fi-FI"/>
           </a:p>
@@ -28902,7 +28902,7 @@
           <a:p>
             <a:fld id="{786339DA-C46F-4C6F-95A3-9379EAD4B9E9}" type="datetime1">
               <a:rPr lang="fi-FI" smtClean="0"/>
-              <a:t>2.12.2014</a:t>
+              <a:t>6.10.2015</a:t>
             </a:fld>
             <a:endParaRPr lang="fi-FI"/>
           </a:p>
@@ -29244,7 +29244,7 @@
           <a:p>
             <a:fld id="{786339DA-C46F-4C6F-95A3-9379EAD4B9E9}" type="datetime1">
               <a:rPr lang="fi-FI" smtClean="0"/>
-              <a:t>2.12.2014</a:t>
+              <a:t>6.10.2015</a:t>
             </a:fld>
             <a:endParaRPr lang="fi-FI"/>
           </a:p>
@@ -29399,7 +29399,7 @@
           <a:p>
             <a:fld id="{786339DA-C46F-4C6F-95A3-9379EAD4B9E9}" type="datetime1">
               <a:rPr lang="fi-FI" smtClean="0"/>
-              <a:t>2.12.2014</a:t>
+              <a:t>6.10.2015</a:t>
             </a:fld>
             <a:endParaRPr lang="fi-FI"/>
           </a:p>
@@ -29603,7 +29603,7 @@
           <a:p>
             <a:fld id="{786339DA-C46F-4C6F-95A3-9379EAD4B9E9}" type="datetime1">
               <a:rPr lang="fi-FI" smtClean="0"/>
-              <a:t>2.12.2014</a:t>
+              <a:t>6.10.2015</a:t>
             </a:fld>
             <a:endParaRPr lang="fi-FI"/>
           </a:p>
@@ -29872,7 +29872,7 @@
           <a:p>
             <a:fld id="{786339DA-C46F-4C6F-95A3-9379EAD4B9E9}" type="datetime1">
               <a:rPr lang="fi-FI" smtClean="0"/>
-              <a:t>2.12.2014</a:t>
+              <a:t>6.10.2015</a:t>
             </a:fld>
             <a:endParaRPr lang="fi-FI"/>
           </a:p>
@@ -30049,7 +30049,7 @@
           <a:p>
             <a:fld id="{786339DA-C46F-4C6F-95A3-9379EAD4B9E9}" type="datetime1">
               <a:rPr lang="fi-FI" smtClean="0"/>
-              <a:t>2.12.2014</a:t>
+              <a:t>6.10.2015</a:t>
             </a:fld>
             <a:endParaRPr lang="fi-FI"/>
           </a:p>
@@ -30187,7 +30187,7 @@
           <a:p>
             <a:fld id="{786339DA-C46F-4C6F-95A3-9379EAD4B9E9}" type="datetime1">
               <a:rPr lang="fi-FI" smtClean="0"/>
-              <a:t>2.12.2014</a:t>
+              <a:t>6.10.2015</a:t>
             </a:fld>
             <a:endParaRPr lang="fi-FI"/>
           </a:p>
@@ -30353,7 +30353,7 @@
           <a:p>
             <a:fld id="{786339DA-C46F-4C6F-95A3-9379EAD4B9E9}" type="datetime1">
               <a:rPr lang="fi-FI" smtClean="0"/>
-              <a:t>2.12.2014</a:t>
+              <a:t>6.10.2015</a:t>
             </a:fld>
             <a:endParaRPr lang="fi-FI"/>
           </a:p>
@@ -30498,7 +30498,7 @@
           <a:p>
             <a:fld id="{786339DA-C46F-4C6F-95A3-9379EAD4B9E9}" type="datetime1">
               <a:rPr lang="fi-FI" smtClean="0"/>
-              <a:t>2.12.2014</a:t>
+              <a:t>6.10.2015</a:t>
             </a:fld>
             <a:endParaRPr lang="fi-FI"/>
           </a:p>
@@ -30700,7 +30700,7 @@
           <a:p>
             <a:fld id="{786339DA-C46F-4C6F-95A3-9379EAD4B9E9}" type="datetime1">
               <a:rPr lang="fi-FI" smtClean="0"/>
-              <a:t>2.12.2014</a:t>
+              <a:t>6.10.2015</a:t>
             </a:fld>
             <a:endParaRPr lang="fi-FI"/>
           </a:p>
@@ -31044,7 +31044,7 @@
           <a:p>
             <a:fld id="{786339DA-C46F-4C6F-95A3-9379EAD4B9E9}" type="datetime1">
               <a:rPr lang="fi-FI" smtClean="0"/>
-              <a:t>2.12.2014</a:t>
+              <a:t>6.10.2015</a:t>
             </a:fld>
             <a:endParaRPr lang="fi-FI"/>
           </a:p>
@@ -31170,7 +31170,7 @@
           <a:p>
             <a:fld id="{786339DA-C46F-4C6F-95A3-9379EAD4B9E9}" type="datetime1">
               <a:rPr lang="fi-FI" smtClean="0"/>
-              <a:t>2.12.2014</a:t>
+              <a:t>6.10.2015</a:t>
             </a:fld>
             <a:endParaRPr lang="fi-FI"/>
           </a:p>
@@ -31497,7 +31497,7 @@
           <a:p>
             <a:fld id="{786339DA-C46F-4C6F-95A3-9379EAD4B9E9}" type="datetime1">
               <a:rPr lang="fi-FI" smtClean="0"/>
-              <a:t>2.12.2014</a:t>
+              <a:t>6.10.2015</a:t>
             </a:fld>
             <a:endParaRPr lang="fi-FI"/>
           </a:p>
@@ -31721,7 +31721,7 @@
           <a:p>
             <a:fld id="{786339DA-C46F-4C6F-95A3-9379EAD4B9E9}" type="datetime1">
               <a:rPr lang="fi-FI" smtClean="0"/>
-              <a:t>2.12.2014</a:t>
+              <a:t>6.10.2015</a:t>
             </a:fld>
             <a:endParaRPr lang="fi-FI"/>
           </a:p>
@@ -31842,7 +31842,7 @@
           <a:p>
             <a:fld id="{786339DA-C46F-4C6F-95A3-9379EAD4B9E9}" type="datetime1">
               <a:rPr lang="fi-FI" smtClean="0"/>
-              <a:t>2.12.2014</a:t>
+              <a:t>6.10.2015</a:t>
             </a:fld>
             <a:endParaRPr lang="fi-FI"/>
           </a:p>
@@ -32015,7 +32015,7 @@
           <a:p>
             <a:fld id="{786339DA-C46F-4C6F-95A3-9379EAD4B9E9}" type="datetime1">
               <a:rPr lang="fi-FI" smtClean="0"/>
-              <a:t>2.12.2014</a:t>
+              <a:t>6.10.2015</a:t>
             </a:fld>
             <a:endParaRPr lang="fi-FI"/>
           </a:p>
@@ -32157,7 +32157,7 @@
           <a:p>
             <a:fld id="{786339DA-C46F-4C6F-95A3-9379EAD4B9E9}" type="datetime1">
               <a:rPr lang="fi-FI" smtClean="0"/>
-              <a:t>2.12.2014</a:t>
+              <a:t>6.10.2015</a:t>
             </a:fld>
             <a:endParaRPr lang="fi-FI"/>
           </a:p>
@@ -32299,7 +32299,7 @@
           <a:p>
             <a:fld id="{786339DA-C46F-4C6F-95A3-9379EAD4B9E9}" type="datetime1">
               <a:rPr lang="fi-FI" smtClean="0"/>
-              <a:t>2.12.2014</a:t>
+              <a:t>6.10.2015</a:t>
             </a:fld>
             <a:endParaRPr lang="fi-FI"/>
           </a:p>
@@ -32457,7 +32457,7 @@
           <a:p>
             <a:fld id="{786339DA-C46F-4C6F-95A3-9379EAD4B9E9}" type="datetime1">
               <a:rPr lang="fi-FI" smtClean="0"/>
-              <a:t>2.12.2014</a:t>
+              <a:t>6.10.2015</a:t>
             </a:fld>
             <a:endParaRPr lang="fi-FI"/>
           </a:p>
@@ -32606,7 +32606,15 @@
           <a:p>
             <a:r>
               <a:rPr lang="en-US" dirty="0" smtClean="0"/>
-              <a:t>There are three ways to do that:</a:t>
+              <a:t>There are </a:t>
+            </a:r>
+            <a:r>
+              <a:rPr lang="en-US" dirty="0" smtClean="0"/>
+              <a:t>two ways </a:t>
+            </a:r>
+            <a:r>
+              <a:rPr lang="en-US" dirty="0" smtClean="0"/>
+              <a:t>to do that:</a:t>
             </a:r>
           </a:p>
           <a:p>
@@ -32626,7 +32634,19 @@
           <a:p>
             <a:r>
               <a:rPr lang="en-US" dirty="0" smtClean="0"/>
-              <a:t>All these are used to share data between controllers and thereby also between views! The differ in the way they are constructed.</a:t>
+              <a:t>All these are used to share data between controllers and thereby also between views! The </a:t>
+            </a:r>
+            <a:r>
+              <a:rPr lang="en-US" smtClean="0"/>
+              <a:t>differ </a:t>
+            </a:r>
+            <a:r>
+              <a:rPr lang="en-US" smtClean="0"/>
+              <a:t>is in </a:t>
+            </a:r>
+            <a:r>
+              <a:rPr lang="en-US" dirty="0" smtClean="0"/>
+              <a:t>the way they are constructed.</a:t>
             </a:r>
             <a:endParaRPr lang="en-US" dirty="0"/>
           </a:p>
@@ -32649,7 +32669,7 @@
           <a:p>
             <a:fld id="{786339DA-C46F-4C6F-95A3-9379EAD4B9E9}" type="datetime1">
               <a:rPr lang="fi-FI" smtClean="0"/>
-              <a:t>2.12.2014</a:t>
+              <a:t>6.10.2015</a:t>
             </a:fld>
             <a:endParaRPr lang="fi-FI"/>
           </a:p>
@@ -32793,7 +32813,7 @@
           <a:p>
             <a:fld id="{786339DA-C46F-4C6F-95A3-9379EAD4B9E9}" type="datetime1">
               <a:rPr lang="fi-FI" smtClean="0"/>
-              <a:t>2.12.2014</a:t>
+              <a:t>6.10.2015</a:t>
             </a:fld>
             <a:endParaRPr lang="fi-FI"/>
           </a:p>
@@ -32932,7 +32952,7 @@
           <a:p>
             <a:fld id="{786339DA-C46F-4C6F-95A3-9379EAD4B9E9}" type="datetime1">
               <a:rPr lang="fi-FI" smtClean="0"/>
-              <a:t>2.12.2014</a:t>
+              <a:t>6.10.2015</a:t>
             </a:fld>
             <a:endParaRPr lang="fi-FI"/>
           </a:p>
@@ -33058,7 +33078,7 @@
           <a:p>
             <a:fld id="{786339DA-C46F-4C6F-95A3-9379EAD4B9E9}" type="datetime1">
               <a:rPr lang="fi-FI" smtClean="0"/>
-              <a:t>2.12.2014</a:t>
+              <a:t>6.10.2015</a:t>
             </a:fld>
             <a:endParaRPr lang="fi-FI"/>
           </a:p>
@@ -33199,7 +33219,7 @@
           <a:p>
             <a:fld id="{786339DA-C46F-4C6F-95A3-9379EAD4B9E9}" type="datetime1">
               <a:rPr lang="fi-FI" smtClean="0"/>
-              <a:t>2.12.2014</a:t>
+              <a:t>6.10.2015</a:t>
             </a:fld>
             <a:endParaRPr lang="fi-FI"/>
           </a:p>
@@ -33346,7 +33366,7 @@
           <a:p>
             <a:fld id="{786339DA-C46F-4C6F-95A3-9379EAD4B9E9}" type="datetime1">
               <a:rPr lang="fi-FI" smtClean="0"/>
-              <a:t>2.12.2014</a:t>
+              <a:t>6.10.2015</a:t>
             </a:fld>
             <a:endParaRPr lang="fi-FI"/>
           </a:p>
@@ -33470,7 +33490,7 @@
           <a:p>
             <a:fld id="{786339DA-C46F-4C6F-95A3-9379EAD4B9E9}" type="datetime1">
               <a:rPr lang="fi-FI" smtClean="0"/>
-              <a:t>2.12.2014</a:t>
+              <a:t>6.10.2015</a:t>
             </a:fld>
             <a:endParaRPr lang="fi-FI"/>
           </a:p>
@@ -33634,7 +33654,7 @@
           <a:p>
             <a:fld id="{786339DA-C46F-4C6F-95A3-9379EAD4B9E9}" type="datetime1">
               <a:rPr lang="fi-FI" smtClean="0"/>
-              <a:t>2.12.2014</a:t>
+              <a:t>6.10.2015</a:t>
             </a:fld>
             <a:endParaRPr lang="fi-FI"/>
           </a:p>
@@ -33819,7 +33839,7 @@
           <a:p>
             <a:fld id="{786339DA-C46F-4C6F-95A3-9379EAD4B9E9}" type="datetime1">
               <a:rPr lang="fi-FI" smtClean="0"/>
-              <a:t>2.12.2014</a:t>
+              <a:t>6.10.2015</a:t>
             </a:fld>
             <a:endParaRPr lang="fi-FI"/>
           </a:p>
@@ -33914,7 +33934,7 @@
           <a:p>
             <a:fld id="{786339DA-C46F-4C6F-95A3-9379EAD4B9E9}" type="datetime1">
               <a:rPr lang="fi-FI" smtClean="0"/>
-              <a:t>2.12.2014</a:t>
+              <a:t>6.10.2015</a:t>
             </a:fld>
             <a:endParaRPr lang="fi-FI"/>
           </a:p>
@@ -34100,7 +34120,7 @@
           <a:p>
             <a:fld id="{786339DA-C46F-4C6F-95A3-9379EAD4B9E9}" type="datetime1">
               <a:rPr lang="fi-FI" smtClean="0"/>
-              <a:t>2.12.2014</a:t>
+              <a:t>6.10.2015</a:t>
             </a:fld>
             <a:endParaRPr lang="fi-FI"/>
           </a:p>
@@ -34281,7 +34301,7 @@
           <a:p>
             <a:fld id="{786339DA-C46F-4C6F-95A3-9379EAD4B9E9}" type="datetime1">
               <a:rPr lang="fi-FI" smtClean="0"/>
-              <a:t>2.12.2014</a:t>
+              <a:t>6.10.2015</a:t>
             </a:fld>
             <a:endParaRPr lang="fi-FI"/>
           </a:p>
@@ -34422,7 +34442,7 @@
           <a:p>
             <a:fld id="{786339DA-C46F-4C6F-95A3-9379EAD4B9E9}" type="datetime1">
               <a:rPr lang="fi-FI" smtClean="0"/>
-              <a:t>2.12.2014</a:t>
+              <a:t>6.10.2015</a:t>
             </a:fld>
             <a:endParaRPr lang="fi-FI"/>
           </a:p>
@@ -34626,7 +34646,7 @@
           <a:p>
             <a:fld id="{786339DA-C46F-4C6F-95A3-9379EAD4B9E9}" type="datetime1">
               <a:rPr lang="fi-FI" smtClean="0"/>
-              <a:t>2.12.2014</a:t>
+              <a:t>6.10.2015</a:t>
             </a:fld>
             <a:endParaRPr lang="fi-FI"/>
           </a:p>
@@ -34947,7 +34967,7 @@
           <a:p>
             <a:fld id="{786339DA-C46F-4C6F-95A3-9379EAD4B9E9}" type="datetime1">
               <a:rPr lang="fi-FI" smtClean="0"/>
-              <a:t>2.12.2014</a:t>
+              <a:t>6.10.2015</a:t>
             </a:fld>
             <a:endParaRPr lang="fi-FI"/>
           </a:p>
@@ -35092,7 +35112,7 @@
           <a:p>
             <a:fld id="{786339DA-C46F-4C6F-95A3-9379EAD4B9E9}" type="datetime1">
               <a:rPr lang="fi-FI" smtClean="0"/>
-              <a:t>2.12.2014</a:t>
+              <a:t>6.10.2015</a:t>
             </a:fld>
             <a:endParaRPr lang="fi-FI"/>
           </a:p>
@@ -35242,7 +35262,7 @@
           <a:p>
             <a:fld id="{786339DA-C46F-4C6F-95A3-9379EAD4B9E9}" type="datetime1">
               <a:rPr lang="fi-FI" smtClean="0"/>
-              <a:t>2.12.2014</a:t>
+              <a:t>6.10.2015</a:t>
             </a:fld>
             <a:endParaRPr lang="fi-FI"/>
           </a:p>
@@ -35383,7 +35403,7 @@
           <a:p>
             <a:fld id="{786339DA-C46F-4C6F-95A3-9379EAD4B9E9}" type="datetime1">
               <a:rPr lang="fi-FI" smtClean="0"/>
-              <a:t>2.12.2014</a:t>
+              <a:t>6.10.2015</a:t>
             </a:fld>
             <a:endParaRPr lang="fi-FI"/>
           </a:p>
@@ -35524,7 +35544,7 @@
           <a:p>
             <a:fld id="{786339DA-C46F-4C6F-95A3-9379EAD4B9E9}" type="datetime1">
               <a:rPr lang="fi-FI" smtClean="0"/>
-              <a:t>2.12.2014</a:t>
+              <a:t>6.10.2015</a:t>
             </a:fld>
             <a:endParaRPr lang="fi-FI"/>
           </a:p>
@@ -35665,7 +35685,7 @@
           <a:p>
             <a:fld id="{786339DA-C46F-4C6F-95A3-9379EAD4B9E9}" type="datetime1">
               <a:rPr lang="fi-FI" smtClean="0"/>
-              <a:t>2.12.2014</a:t>
+              <a:t>6.10.2015</a:t>
             </a:fld>
             <a:endParaRPr lang="fi-FI"/>
           </a:p>
@@ -35806,7 +35826,7 @@
           <a:p>
             <a:fld id="{786339DA-C46F-4C6F-95A3-9379EAD4B9E9}" type="datetime1">
               <a:rPr lang="fi-FI" smtClean="0"/>
-              <a:t>2.12.2014</a:t>
+              <a:t>6.10.2015</a:t>
             </a:fld>
             <a:endParaRPr lang="fi-FI"/>
           </a:p>
@@ -35947,7 +35967,7 @@
           <a:p>
             <a:fld id="{786339DA-C46F-4C6F-95A3-9379EAD4B9E9}" type="datetime1">
               <a:rPr lang="fi-FI" smtClean="0"/>
-              <a:t>2.12.2014</a:t>
+              <a:t>6.10.2015</a:t>
             </a:fld>
             <a:endParaRPr lang="fi-FI"/>
           </a:p>
@@ -36088,7 +36108,7 @@
           <a:p>
             <a:fld id="{786339DA-C46F-4C6F-95A3-9379EAD4B9E9}" type="datetime1">
               <a:rPr lang="fi-FI" smtClean="0"/>
-              <a:t>2.12.2014</a:t>
+              <a:t>6.10.2015</a:t>
             </a:fld>
             <a:endParaRPr lang="fi-FI"/>
           </a:p>
@@ -36229,7 +36249,7 @@
           <a:p>
             <a:fld id="{786339DA-C46F-4C6F-95A3-9379EAD4B9E9}" type="datetime1">
               <a:rPr lang="fi-FI" smtClean="0"/>
-              <a:t>2.12.2014</a:t>
+              <a:t>6.10.2015</a:t>
             </a:fld>
             <a:endParaRPr lang="fi-FI"/>
           </a:p>
@@ -36417,7 +36437,7 @@
           <a:p>
             <a:fld id="{786339DA-C46F-4C6F-95A3-9379EAD4B9E9}" type="datetime1">
               <a:rPr lang="fi-FI" smtClean="0"/>
-              <a:t>2.12.2014</a:t>
+              <a:t>6.10.2015</a:t>
             </a:fld>
             <a:endParaRPr lang="fi-FI"/>
           </a:p>
@@ -36604,7 +36624,7 @@
           <a:p>
             <a:fld id="{786339DA-C46F-4C6F-95A3-9379EAD4B9E9}" type="datetime1">
               <a:rPr lang="fi-FI" smtClean="0"/>
-              <a:t>2.12.2014</a:t>
+              <a:t>6.10.2015</a:t>
             </a:fld>
             <a:endParaRPr lang="fi-FI"/>
           </a:p>
@@ -36772,7 +36792,7 @@
           <a:p>
             <a:fld id="{786339DA-C46F-4C6F-95A3-9379EAD4B9E9}" type="datetime1">
               <a:rPr lang="fi-FI" smtClean="0"/>
-              <a:t>2.12.2014</a:t>
+              <a:t>6.10.2015</a:t>
             </a:fld>
             <a:endParaRPr lang="fi-FI"/>
           </a:p>
@@ -37049,7 +37069,7 @@
           <a:p>
             <a:fld id="{786339DA-C46F-4C6F-95A3-9379EAD4B9E9}" type="datetime1">
               <a:rPr lang="fi-FI" smtClean="0"/>
-              <a:t>2.12.2014</a:t>
+              <a:t>6.10.2015</a:t>
             </a:fld>
             <a:endParaRPr lang="fi-FI"/>
           </a:p>
@@ -37206,7 +37226,7 @@
           <a:p>
             <a:fld id="{786339DA-C46F-4C6F-95A3-9379EAD4B9E9}" type="datetime1">
               <a:rPr lang="fi-FI" smtClean="0"/>
-              <a:t>2.12.2014</a:t>
+              <a:t>6.10.2015</a:t>
             </a:fld>
             <a:endParaRPr lang="fi-FI"/>
           </a:p>
@@ -37355,7 +37375,7 @@
           <a:p>
             <a:fld id="{786339DA-C46F-4C6F-95A3-9379EAD4B9E9}" type="datetime1">
               <a:rPr lang="fi-FI" smtClean="0"/>
-              <a:t>2.12.2014</a:t>
+              <a:t>6.10.2015</a:t>
             </a:fld>
             <a:endParaRPr lang="fi-FI"/>
           </a:p>
@@ -37483,7 +37503,7 @@
           <a:p>
             <a:fld id="{786339DA-C46F-4C6F-95A3-9379EAD4B9E9}" type="datetime1">
               <a:rPr lang="fi-FI" smtClean="0"/>
-              <a:t>2.12.2014</a:t>
+              <a:t>6.10.2015</a:t>
             </a:fld>
             <a:endParaRPr lang="fi-FI"/>
           </a:p>
@@ -37635,7 +37655,7 @@
           <a:p>
             <a:fld id="{786339DA-C46F-4C6F-95A3-9379EAD4B9E9}" type="datetime1">
               <a:rPr lang="fi-FI" smtClean="0"/>
-              <a:t>2.12.2014</a:t>
+              <a:t>6.10.2015</a:t>
             </a:fld>
             <a:endParaRPr lang="fi-FI"/>
           </a:p>
@@ -37828,7 +37848,7 @@
           <a:p>
             <a:fld id="{786339DA-C46F-4C6F-95A3-9379EAD4B9E9}" type="datetime1">
               <a:rPr lang="fi-FI" smtClean="0"/>
-              <a:t>2.12.2014</a:t>
+              <a:t>6.10.2015</a:t>
             </a:fld>
             <a:endParaRPr lang="fi-FI"/>
           </a:p>
@@ -38020,7 +38040,7 @@
           <a:p>
             <a:fld id="{786339DA-C46F-4C6F-95A3-9379EAD4B9E9}" type="datetime1">
               <a:rPr lang="fi-FI" smtClean="0"/>
-              <a:t>2.12.2014</a:t>
+              <a:t>6.10.2015</a:t>
             </a:fld>
             <a:endParaRPr lang="fi-FI"/>
           </a:p>
@@ -38235,7 +38255,7 @@
           <a:p>
             <a:fld id="{786339DA-C46F-4C6F-95A3-9379EAD4B9E9}" type="datetime1">
               <a:rPr lang="fi-FI" smtClean="0"/>
-              <a:t>2.12.2014</a:t>
+              <a:t>6.10.2015</a:t>
             </a:fld>
             <a:endParaRPr lang="fi-FI"/>
           </a:p>
@@ -38507,7 +38527,7 @@
           <a:p>
             <a:fld id="{786339DA-C46F-4C6F-95A3-9379EAD4B9E9}" type="datetime1">
               <a:rPr lang="fi-FI" smtClean="0"/>
-              <a:t>2.12.2014</a:t>
+              <a:t>6.10.2015</a:t>
             </a:fld>
             <a:endParaRPr lang="fi-FI"/>
           </a:p>
@@ -39272,7 +39292,7 @@
           <a:p>
             <a:fld id="{786339DA-C46F-4C6F-95A3-9379EAD4B9E9}" type="datetime1">
               <a:rPr lang="fi-FI" smtClean="0"/>
-              <a:t>2.12.2014</a:t>
+              <a:t>6.10.2015</a:t>
             </a:fld>
             <a:endParaRPr lang="fi-FI"/>
           </a:p>
@@ -39377,7 +39397,7 @@
           <a:p>
             <a:fld id="{786339DA-C46F-4C6F-95A3-9379EAD4B9E9}" type="datetime1">
               <a:rPr lang="fi-FI" smtClean="0"/>
-              <a:t>2.12.2014</a:t>
+              <a:t>6.10.2015</a:t>
             </a:fld>
             <a:endParaRPr lang="fi-FI"/>
           </a:p>
@@ -39591,7 +39611,7 @@
           <a:p>
             <a:fld id="{786339DA-C46F-4C6F-95A3-9379EAD4B9E9}" type="datetime1">
               <a:rPr lang="fi-FI" smtClean="0"/>
-              <a:t>2.12.2014</a:t>
+              <a:t>6.10.2015</a:t>
             </a:fld>
             <a:endParaRPr lang="fi-FI"/>
           </a:p>
@@ -39904,7 +39924,7 @@
           <a:p>
             <a:fld id="{786339DA-C46F-4C6F-95A3-9379EAD4B9E9}" type="datetime1">
               <a:rPr lang="fi-FI" smtClean="0"/>
-              <a:t>2.12.2014</a:t>
+              <a:t>6.10.2015</a:t>
             </a:fld>
             <a:endParaRPr lang="fi-FI"/>
           </a:p>
@@ -40087,7 +40107,7 @@
           <a:p>
             <a:fld id="{786339DA-C46F-4C6F-95A3-9379EAD4B9E9}" type="datetime1">
               <a:rPr lang="fi-FI" smtClean="0"/>
-              <a:t>2.12.2014</a:t>
+              <a:t>6.10.2015</a:t>
             </a:fld>
             <a:endParaRPr lang="fi-FI"/>
           </a:p>
@@ -40181,7 +40201,7 @@
           <a:p>
             <a:fld id="{786339DA-C46F-4C6F-95A3-9379EAD4B9E9}" type="datetime1">
               <a:rPr lang="fi-FI" smtClean="0"/>
-              <a:t>2.12.2014</a:t>
+              <a:t>6.10.2015</a:t>
             </a:fld>
             <a:endParaRPr lang="fi-FI"/>
           </a:p>
@@ -40322,7 +40342,7 @@
           <a:p>
             <a:fld id="{786339DA-C46F-4C6F-95A3-9379EAD4B9E9}" type="datetime1">
               <a:rPr lang="fi-FI" smtClean="0"/>
-              <a:t>2.12.2014</a:t>
+              <a:t>6.10.2015</a:t>
             </a:fld>
             <a:endParaRPr lang="fi-FI"/>
           </a:p>
@@ -40526,7 +40546,7 @@
           <a:p>
             <a:fld id="{786339DA-C46F-4C6F-95A3-9379EAD4B9E9}" type="datetime1">
               <a:rPr lang="fi-FI" smtClean="0"/>
-              <a:t>2.12.2014</a:t>
+              <a:t>6.10.2015</a:t>
             </a:fld>
             <a:endParaRPr lang="fi-FI"/>
           </a:p>
@@ -40763,7 +40783,7 @@
           <a:p>
             <a:fld id="{786339DA-C46F-4C6F-95A3-9379EAD4B9E9}" type="datetime1">
               <a:rPr lang="fi-FI" smtClean="0"/>
-              <a:t>2.12.2014</a:t>
+              <a:t>6.10.2015</a:t>
             </a:fld>
             <a:endParaRPr lang="fi-FI"/>
           </a:p>
@@ -41064,7 +41084,7 @@
           <a:p>
             <a:fld id="{786339DA-C46F-4C6F-95A3-9379EAD4B9E9}" type="datetime1">
               <a:rPr lang="fi-FI" smtClean="0"/>
-              <a:t>2.12.2014</a:t>
+              <a:t>6.10.2015</a:t>
             </a:fld>
             <a:endParaRPr lang="fi-FI"/>
           </a:p>
